--- a/LAPORAN/KIRIM/PPT TUGAS AKHIR.pptx
+++ b/LAPORAN/KIRIM/PPT TUGAS AKHIR.pptx
@@ -24,22 +24,22 @@
   <p:notesSz cx="6858000" cy="9144000"/>
   <p:embeddedFontLst>
     <p:embeddedFont>
-      <p:font typeface="Calibri" pitchFamily="34" charset="0"/>
-      <p:regular r:id="rId14"/>
-      <p:bold r:id="rId15"/>
-      <p:italic r:id="rId16"/>
-      <p:boldItalic r:id="rId17"/>
+      <p:font typeface="Roboto Black" charset="0"/>
+      <p:bold r:id="rId14"/>
+      <p:boldItalic r:id="rId15"/>
     </p:embeddedFont>
     <p:embeddedFont>
       <p:font typeface="Roboto Mono Regular" charset="0"/>
-      <p:regular r:id="rId18"/>
-      <p:bold r:id="rId19"/>
-      <p:italic r:id="rId20"/>
-      <p:boldItalic r:id="rId21"/>
+      <p:regular r:id="rId16"/>
+      <p:bold r:id="rId17"/>
+      <p:italic r:id="rId18"/>
+      <p:boldItalic r:id="rId19"/>
     </p:embeddedFont>
     <p:embeddedFont>
-      <p:font typeface="Roboto Black" charset="0"/>
-      <p:bold r:id="rId22"/>
+      <p:font typeface="Roboto Condensed" charset="0"/>
+      <p:regular r:id="rId20"/>
+      <p:bold r:id="rId21"/>
+      <p:italic r:id="rId22"/>
       <p:boldItalic r:id="rId23"/>
     </p:embeddedFont>
     <p:embeddedFont>
@@ -54,14 +54,14 @@
       <p:regular r:id="rId28"/>
     </p:embeddedFont>
     <p:embeddedFont>
-      <p:font typeface="Roboto Condensed" charset="0"/>
+      <p:font typeface="Roboto Light" charset="0"/>
       <p:regular r:id="rId29"/>
       <p:bold r:id="rId30"/>
       <p:italic r:id="rId31"/>
       <p:boldItalic r:id="rId32"/>
     </p:embeddedFont>
     <p:embeddedFont>
-      <p:font typeface="Roboto Light" charset="0"/>
+      <p:font typeface="Calibri" pitchFamily="34" charset="0"/>
       <p:regular r:id="rId33"/>
       <p:bold r:id="rId34"/>
       <p:italic r:id="rId35"/>
@@ -36973,7 +36973,7 @@
                 <a:hlinkClick r:id="rId3">
                   <a:extLst>
                     <a:ext uri="{A12FA001-AC4F-418D-AE19-62706E023703}">
-                      <ahyp:hlinkClr xmlns="" xmlns:mc="http://schemas.openxmlformats.org/markup-compatibility/2006" xmlns:mv="urn:schemas-microsoft-com:mac:vml" xmlns:c="http://schemas.openxmlformats.org/drawingml/2006/chart" xmlns:dgm="http://schemas.openxmlformats.org/drawingml/2006/diagram" xmlns:o="urn:schemas-microsoft-com:office:office" xmlns:v="urn:schemas-microsoft-com:vml" xmlns:pvml="urn:schemas-microsoft-com:office:powerpoint" xmlns:com="http://schemas.openxmlformats.org/drawingml/2006/compatibility" xmlns:p14="http://schemas.microsoft.com/office/powerpoint/2010/main" xmlns:p15="http://schemas.microsoft.com/office/powerpoint/2012/main" xmlns:ahyp="http://schemas.microsoft.com/office/drawing/2018/hyperlinkcolor" val="tx"/>
+                      <ahyp:hlinkClr xmlns:ahyp="http://schemas.microsoft.com/office/drawing/2018/hyperlinkcolor" xmlns:p15="http://schemas.microsoft.com/office/powerpoint/2012/main" xmlns:p14="http://schemas.microsoft.com/office/powerpoint/2010/main" xmlns:com="http://schemas.openxmlformats.org/drawingml/2006/compatibility" xmlns:pvml="urn:schemas-microsoft-com:office:powerpoint" xmlns:v="urn:schemas-microsoft-com:vml" xmlns:o="urn:schemas-microsoft-com:office:office" xmlns:dgm="http://schemas.openxmlformats.org/drawingml/2006/diagram" xmlns:c="http://schemas.openxmlformats.org/drawingml/2006/chart" xmlns:mv="urn:schemas-microsoft-com:mac:vml" xmlns:mc="http://schemas.openxmlformats.org/markup-compatibility/2006" xmlns="" val="tx"/>
                     </a:ext>
                   </a:extLst>
                 </a:hlinkClick>
@@ -37023,7 +37023,7 @@
                 <a:hlinkClick r:id="rId4">
                   <a:extLst>
                     <a:ext uri="{A12FA001-AC4F-418D-AE19-62706E023703}">
-                      <ahyp:hlinkClr xmlns="" xmlns:mc="http://schemas.openxmlformats.org/markup-compatibility/2006" xmlns:mv="urn:schemas-microsoft-com:mac:vml" xmlns:c="http://schemas.openxmlformats.org/drawingml/2006/chart" xmlns:dgm="http://schemas.openxmlformats.org/drawingml/2006/diagram" xmlns:o="urn:schemas-microsoft-com:office:office" xmlns:v="urn:schemas-microsoft-com:vml" xmlns:pvml="urn:schemas-microsoft-com:office:powerpoint" xmlns:com="http://schemas.openxmlformats.org/drawingml/2006/compatibility" xmlns:p14="http://schemas.microsoft.com/office/powerpoint/2010/main" xmlns:p15="http://schemas.microsoft.com/office/powerpoint/2012/main" xmlns:ahyp="http://schemas.microsoft.com/office/drawing/2018/hyperlinkcolor" val="tx"/>
+                      <ahyp:hlinkClr xmlns:ahyp="http://schemas.microsoft.com/office/drawing/2018/hyperlinkcolor" xmlns:p15="http://schemas.microsoft.com/office/powerpoint/2012/main" xmlns:p14="http://schemas.microsoft.com/office/powerpoint/2010/main" xmlns:com="http://schemas.openxmlformats.org/drawingml/2006/compatibility" xmlns:pvml="urn:schemas-microsoft-com:office:powerpoint" xmlns:v="urn:schemas-microsoft-com:vml" xmlns:o="urn:schemas-microsoft-com:office:office" xmlns:dgm="http://schemas.openxmlformats.org/drawingml/2006/diagram" xmlns:c="http://schemas.openxmlformats.org/drawingml/2006/chart" xmlns:mv="urn:schemas-microsoft-com:mac:vml" xmlns:mc="http://schemas.openxmlformats.org/markup-compatibility/2006" xmlns="" val="tx"/>
                     </a:ext>
                   </a:extLst>
                 </a:hlinkClick>
@@ -37073,7 +37073,7 @@
                 <a:hlinkClick r:id="rId5">
                   <a:extLst>
                     <a:ext uri="{A12FA001-AC4F-418D-AE19-62706E023703}">
-                      <ahyp:hlinkClr xmlns="" xmlns:mc="http://schemas.openxmlformats.org/markup-compatibility/2006" xmlns:mv="urn:schemas-microsoft-com:mac:vml" xmlns:c="http://schemas.openxmlformats.org/drawingml/2006/chart" xmlns:dgm="http://schemas.openxmlformats.org/drawingml/2006/diagram" xmlns:o="urn:schemas-microsoft-com:office:office" xmlns:v="urn:schemas-microsoft-com:vml" xmlns:pvml="urn:schemas-microsoft-com:office:powerpoint" xmlns:com="http://schemas.openxmlformats.org/drawingml/2006/compatibility" xmlns:p14="http://schemas.microsoft.com/office/powerpoint/2010/main" xmlns:p15="http://schemas.microsoft.com/office/powerpoint/2012/main" xmlns:ahyp="http://schemas.microsoft.com/office/drawing/2018/hyperlinkcolor" val="tx"/>
+                      <ahyp:hlinkClr xmlns:ahyp="http://schemas.microsoft.com/office/drawing/2018/hyperlinkcolor" xmlns:p15="http://schemas.microsoft.com/office/powerpoint/2012/main" xmlns:p14="http://schemas.microsoft.com/office/powerpoint/2010/main" xmlns:com="http://schemas.openxmlformats.org/drawingml/2006/compatibility" xmlns:pvml="urn:schemas-microsoft-com:office:powerpoint" xmlns:v="urn:schemas-microsoft-com:vml" xmlns:o="urn:schemas-microsoft-com:office:office" xmlns:dgm="http://schemas.openxmlformats.org/drawingml/2006/diagram" xmlns:c="http://schemas.openxmlformats.org/drawingml/2006/chart" xmlns:mv="urn:schemas-microsoft-com:mac:vml" xmlns:mc="http://schemas.openxmlformats.org/markup-compatibility/2006" xmlns="" val="tx"/>
                     </a:ext>
                   </a:extLst>
                 </a:hlinkClick>
@@ -44468,7 +44468,7 @@
           <p:cNvPr id="13" name="Group 53">
             <a:extLst>
               <a:ext uri="{FF2B5EF4-FFF2-40B4-BE49-F238E27FC236}">
-                <a16:creationId xmlns="" xmlns:a16="http://schemas.microsoft.com/office/drawing/2014/main" id="{4EA8D2D4-1E72-43C8-8104-F29D7FAE1D2A}"/>
+                <a16:creationId xmlns:a16="http://schemas.microsoft.com/office/drawing/2014/main" xmlns="" id="{4EA8D2D4-1E72-43C8-8104-F29D7FAE1D2A}"/>
               </a:ext>
             </a:extLst>
           </p:cNvPr>
@@ -44490,7 +44490,7 @@
             <p:cNvPr id="14" name="Rectangle 1">
               <a:extLst>
                 <a:ext uri="{FF2B5EF4-FFF2-40B4-BE49-F238E27FC236}">
-                  <a16:creationId xmlns="" xmlns:a16="http://schemas.microsoft.com/office/drawing/2014/main" id="{0B00B82E-E471-41FC-8F93-9F3651A52AFB}"/>
+                  <a16:creationId xmlns:a16="http://schemas.microsoft.com/office/drawing/2014/main" xmlns="" id="{0B00B82E-E471-41FC-8F93-9F3651A52AFB}"/>
                 </a:ext>
               </a:extLst>
             </p:cNvPr>
@@ -44576,7 +44576,7 @@
             <p:cNvPr id="15" name="Straight Connector 4">
               <a:extLst>
                 <a:ext uri="{FF2B5EF4-FFF2-40B4-BE49-F238E27FC236}">
-                  <a16:creationId xmlns="" xmlns:a16="http://schemas.microsoft.com/office/drawing/2014/main" id="{10969F99-3183-46A6-99CB-5F542280190C}"/>
+                  <a16:creationId xmlns:a16="http://schemas.microsoft.com/office/drawing/2014/main" xmlns="" id="{10969F99-3183-46A6-99CB-5F542280190C}"/>
                 </a:ext>
               </a:extLst>
             </p:cNvPr>
@@ -44627,7 +44627,7 @@
             <p:cNvPr id="16" name="Straight Arrow Connector 5">
               <a:extLst>
                 <a:ext uri="{FF2B5EF4-FFF2-40B4-BE49-F238E27FC236}">
-                  <a16:creationId xmlns="" xmlns:a16="http://schemas.microsoft.com/office/drawing/2014/main" id="{3B83E86F-6552-43CE-9ACC-8894564744F8}"/>
+                  <a16:creationId xmlns:a16="http://schemas.microsoft.com/office/drawing/2014/main" xmlns="" id="{3B83E86F-6552-43CE-9ACC-8894564744F8}"/>
                 </a:ext>
               </a:extLst>
             </p:cNvPr>
@@ -44678,7 +44678,7 @@
             <p:cNvPr id="18" name="Straight Connector 16">
               <a:extLst>
                 <a:ext uri="{FF2B5EF4-FFF2-40B4-BE49-F238E27FC236}">
-                  <a16:creationId xmlns="" xmlns:a16="http://schemas.microsoft.com/office/drawing/2014/main" id="{0376F047-A443-4FEE-9591-F5BD95C88FED}"/>
+                  <a16:creationId xmlns:a16="http://schemas.microsoft.com/office/drawing/2014/main" xmlns="" id="{0376F047-A443-4FEE-9591-F5BD95C88FED}"/>
                 </a:ext>
               </a:extLst>
             </p:cNvPr>
@@ -44729,7 +44729,7 @@
             <p:cNvPr id="19" name="Straight Arrow Connector 17">
               <a:extLst>
                 <a:ext uri="{FF2B5EF4-FFF2-40B4-BE49-F238E27FC236}">
-                  <a16:creationId xmlns="" xmlns:a16="http://schemas.microsoft.com/office/drawing/2014/main" id="{B1817B9D-456A-4529-ABAA-35C5FE051683}"/>
+                  <a16:creationId xmlns:a16="http://schemas.microsoft.com/office/drawing/2014/main" xmlns="" id="{B1817B9D-456A-4529-ABAA-35C5FE051683}"/>
                 </a:ext>
               </a:extLst>
             </p:cNvPr>
@@ -44780,7 +44780,7 @@
             <p:cNvPr id="20" name="Rectangle 18">
               <a:extLst>
                 <a:ext uri="{FF2B5EF4-FFF2-40B4-BE49-F238E27FC236}">
-                  <a16:creationId xmlns="" xmlns:a16="http://schemas.microsoft.com/office/drawing/2014/main" id="{964D3D82-D3E2-4164-BCF8-B1297E13FE40}"/>
+                  <a16:creationId xmlns:a16="http://schemas.microsoft.com/office/drawing/2014/main" xmlns="" id="{964D3D82-D3E2-4164-BCF8-B1297E13FE40}"/>
                 </a:ext>
               </a:extLst>
             </p:cNvPr>
@@ -44866,7 +44866,7 @@
             <p:cNvPr id="21" name="Straight Connector 19">
               <a:extLst>
                 <a:ext uri="{FF2B5EF4-FFF2-40B4-BE49-F238E27FC236}">
-                  <a16:creationId xmlns="" xmlns:a16="http://schemas.microsoft.com/office/drawing/2014/main" id="{3918D00D-0284-48C9-BD4C-98A2A2D5281D}"/>
+                  <a16:creationId xmlns:a16="http://schemas.microsoft.com/office/drawing/2014/main" xmlns="" id="{3918D00D-0284-48C9-BD4C-98A2A2D5281D}"/>
                 </a:ext>
               </a:extLst>
             </p:cNvPr>
@@ -44917,7 +44917,7 @@
             <p:cNvPr id="22" name="Straight Arrow Connector 20">
               <a:extLst>
                 <a:ext uri="{FF2B5EF4-FFF2-40B4-BE49-F238E27FC236}">
-                  <a16:creationId xmlns="" xmlns:a16="http://schemas.microsoft.com/office/drawing/2014/main" id="{C1CC7FAC-EE22-42BC-8725-E5943C3D48DB}"/>
+                  <a16:creationId xmlns:a16="http://schemas.microsoft.com/office/drawing/2014/main" xmlns="" id="{C1CC7FAC-EE22-42BC-8725-E5943C3D48DB}"/>
                 </a:ext>
               </a:extLst>
             </p:cNvPr>
@@ -44968,7 +44968,7 @@
             <p:cNvPr id="23" name="Rectangle 21">
               <a:extLst>
                 <a:ext uri="{FF2B5EF4-FFF2-40B4-BE49-F238E27FC236}">
-                  <a16:creationId xmlns="" xmlns:a16="http://schemas.microsoft.com/office/drawing/2014/main" id="{540A1584-B641-4482-A091-1AA86F02AC03}"/>
+                  <a16:creationId xmlns:a16="http://schemas.microsoft.com/office/drawing/2014/main" xmlns="" id="{540A1584-B641-4482-A091-1AA86F02AC03}"/>
                 </a:ext>
               </a:extLst>
             </p:cNvPr>
@@ -45054,7 +45054,7 @@
             <p:cNvPr id="24" name="Straight Connector 22">
               <a:extLst>
                 <a:ext uri="{FF2B5EF4-FFF2-40B4-BE49-F238E27FC236}">
-                  <a16:creationId xmlns="" xmlns:a16="http://schemas.microsoft.com/office/drawing/2014/main" id="{56C65A65-73AD-4C57-B39A-75B868E663F2}"/>
+                  <a16:creationId xmlns:a16="http://schemas.microsoft.com/office/drawing/2014/main" xmlns="" id="{56C65A65-73AD-4C57-B39A-75B868E663F2}"/>
                 </a:ext>
               </a:extLst>
             </p:cNvPr>
@@ -45105,7 +45105,7 @@
             <p:cNvPr id="25" name="Straight Arrow Connector 23">
               <a:extLst>
                 <a:ext uri="{FF2B5EF4-FFF2-40B4-BE49-F238E27FC236}">
-                  <a16:creationId xmlns="" xmlns:a16="http://schemas.microsoft.com/office/drawing/2014/main" id="{56A68EBA-1510-42F4-AD56-AAFBDD0EF3D8}"/>
+                  <a16:creationId xmlns:a16="http://schemas.microsoft.com/office/drawing/2014/main" xmlns="" id="{56A68EBA-1510-42F4-AD56-AAFBDD0EF3D8}"/>
                 </a:ext>
               </a:extLst>
             </p:cNvPr>
@@ -45156,7 +45156,7 @@
             <p:cNvPr id="26" name="Rectangle 24">
               <a:extLst>
                 <a:ext uri="{FF2B5EF4-FFF2-40B4-BE49-F238E27FC236}">
-                  <a16:creationId xmlns="" xmlns:a16="http://schemas.microsoft.com/office/drawing/2014/main" id="{2EB35737-7B6C-499F-936E-D2C79A1C004D}"/>
+                  <a16:creationId xmlns:a16="http://schemas.microsoft.com/office/drawing/2014/main" xmlns="" id="{2EB35737-7B6C-499F-936E-D2C79A1C004D}"/>
                 </a:ext>
               </a:extLst>
             </p:cNvPr>
@@ -45242,7 +45242,7 @@
             <p:cNvPr id="27" name="Straight Arrow Connector 27">
               <a:extLst>
                 <a:ext uri="{FF2B5EF4-FFF2-40B4-BE49-F238E27FC236}">
-                  <a16:creationId xmlns="" xmlns:a16="http://schemas.microsoft.com/office/drawing/2014/main" id="{627489ED-5CE7-43AE-AE9E-F2DAD592A3E4}"/>
+                  <a16:creationId xmlns:a16="http://schemas.microsoft.com/office/drawing/2014/main" xmlns="" id="{627489ED-5CE7-43AE-AE9E-F2DAD592A3E4}"/>
                 </a:ext>
               </a:extLst>
             </p:cNvPr>
@@ -45293,7 +45293,7 @@
             <p:cNvPr id="28" name="Straight Connector 29">
               <a:extLst>
                 <a:ext uri="{FF2B5EF4-FFF2-40B4-BE49-F238E27FC236}">
-                  <a16:creationId xmlns="" xmlns:a16="http://schemas.microsoft.com/office/drawing/2014/main" id="{0E90972E-BF38-4C24-BDB4-F3418242359E}"/>
+                  <a16:creationId xmlns:a16="http://schemas.microsoft.com/office/drawing/2014/main" xmlns="" id="{0E90972E-BF38-4C24-BDB4-F3418242359E}"/>
                 </a:ext>
               </a:extLst>
             </p:cNvPr>
@@ -45344,7 +45344,7 @@
             <p:cNvPr id="29" name="Straight Arrow Connector 30">
               <a:extLst>
                 <a:ext uri="{FF2B5EF4-FFF2-40B4-BE49-F238E27FC236}">
-                  <a16:creationId xmlns="" xmlns:a16="http://schemas.microsoft.com/office/drawing/2014/main" id="{D928DD7C-BC3C-4714-8E26-B100B59D31CB}"/>
+                  <a16:creationId xmlns:a16="http://schemas.microsoft.com/office/drawing/2014/main" xmlns="" id="{D928DD7C-BC3C-4714-8E26-B100B59D31CB}"/>
                 </a:ext>
               </a:extLst>
             </p:cNvPr>
@@ -45395,7 +45395,7 @@
             <p:cNvPr id="30" name="Straight Arrow Connector 32">
               <a:extLst>
                 <a:ext uri="{FF2B5EF4-FFF2-40B4-BE49-F238E27FC236}">
-                  <a16:creationId xmlns="" xmlns:a16="http://schemas.microsoft.com/office/drawing/2014/main" id="{7E10B1A3-19C3-42D9-9220-A1ED9BBD2200}"/>
+                  <a16:creationId xmlns:a16="http://schemas.microsoft.com/office/drawing/2014/main" xmlns="" id="{7E10B1A3-19C3-42D9-9220-A1ED9BBD2200}"/>
                 </a:ext>
               </a:extLst>
             </p:cNvPr>
@@ -45446,7 +45446,7 @@
             <p:cNvPr id="31" name="Straight Arrow Connector 33">
               <a:extLst>
                 <a:ext uri="{FF2B5EF4-FFF2-40B4-BE49-F238E27FC236}">
-                  <a16:creationId xmlns="" xmlns:a16="http://schemas.microsoft.com/office/drawing/2014/main" id="{31C07EB9-635C-4B68-A44F-BEF1363AEDEA}"/>
+                  <a16:creationId xmlns:a16="http://schemas.microsoft.com/office/drawing/2014/main" xmlns="" id="{31C07EB9-635C-4B68-A44F-BEF1363AEDEA}"/>
                 </a:ext>
               </a:extLst>
             </p:cNvPr>
@@ -45497,7 +45497,7 @@
             <p:cNvPr id="17" name="Rectangle 13">
               <a:extLst>
                 <a:ext uri="{FF2B5EF4-FFF2-40B4-BE49-F238E27FC236}">
-                  <a16:creationId xmlns="" xmlns:a16="http://schemas.microsoft.com/office/drawing/2014/main" id="{6BC9D04B-CB83-4F54-8748-B7390AF13C04}"/>
+                  <a16:creationId xmlns:a16="http://schemas.microsoft.com/office/drawing/2014/main" xmlns="" id="{6BC9D04B-CB83-4F54-8748-B7390AF13C04}"/>
                 </a:ext>
               </a:extLst>
             </p:cNvPr>
@@ -49357,8 +49357,8 @@
         </p:nvSpPr>
         <p:spPr>
           <a:xfrm>
-            <a:off x="2057400" y="2038350"/>
-            <a:ext cx="7086600" cy="647771"/>
+            <a:off x="2057400" y="1504950"/>
+            <a:ext cx="7086600" cy="1181171"/>
           </a:xfrm>
           <a:prstGeom prst="rect">
             <a:avLst/>
@@ -49450,7 +49450,23 @@
             </a:r>
             <a:r>
               <a:rPr lang="id-ID" sz="1400" dirty="0"/>
-              <a:t>di Kota Mataram berbasis berbasis </a:t>
+              <a:t>di Kota Mataram </a:t>
+            </a:r>
+            <a:r>
+              <a:rPr lang="en-US" sz="1400" dirty="0" smtClean="0"/>
+              <a:t> </a:t>
+            </a:r>
+            <a:r>
+              <a:rPr lang="en-US" sz="1400" dirty="0" err="1" smtClean="0"/>
+              <a:t>yg</a:t>
+            </a:r>
+            <a:r>
+              <a:rPr lang="en-US" sz="1400" dirty="0" smtClean="0"/>
+              <a:t> </a:t>
+            </a:r>
+            <a:r>
+              <a:rPr lang="id-ID" sz="1400" dirty="0" smtClean="0"/>
+              <a:t>berbasis </a:t>
             </a:r>
             <a:r>
               <a:rPr lang="id-ID" sz="1400" i="1" dirty="0"/>
@@ -49461,11 +49477,11 @@
               <a:t> yang dapat memberikan jalur perjalanan menuju </a:t>
             </a:r>
             <a:r>
-              <a:rPr lang="en-US" sz="1400" dirty="0" err="1"/>
-              <a:t>lapangam</a:t>
-            </a:r>
-            <a:r>
-              <a:rPr lang="en-US" sz="1400" dirty="0"/>
+              <a:rPr lang="en-US" sz="1400" dirty="0" err="1" smtClean="0"/>
+              <a:t>lapangan</a:t>
+            </a:r>
+            <a:r>
+              <a:rPr lang="en-US" sz="1400" dirty="0" smtClean="0"/>
               <a:t> </a:t>
             </a:r>
             <a:r>
@@ -50310,8 +50326,8 @@
         </p:nvSpPr>
         <p:spPr>
           <a:xfrm>
-            <a:off x="2044700" y="4209979"/>
-            <a:ext cx="7086600" cy="647771"/>
+            <a:off x="2044700" y="3181351"/>
+            <a:ext cx="7086600" cy="1676400"/>
           </a:xfrm>
           <a:prstGeom prst="rect">
             <a:avLst/>
